--- a/Chronicles_of_Exoplanet_Exploration.pptx
+++ b/Chronicles_of_Exoplanet_Exploration.pptx
@@ -11,7 +11,8 @@
     <p:sldId id="259" r:id="rId5"/>
     <p:sldId id="260" r:id="rId6"/>
     <p:sldId id="261" r:id="rId7"/>
-    <p:sldId id="262" r:id="rId8"/>
+    <p:sldId id="263" r:id="rId8"/>
+    <p:sldId id="262" r:id="rId9"/>
   </p:sldIdLst>
   <p:sldSz cx="12192000" cy="6858000"/>
   <p:notesSz cx="6858000" cy="9144000"/>
@@ -6305,6 +6306,551 @@
         </p:blipFill>
         <p:spPr>
           <a:xfrm>
+            <a:off x="844063" y="439615"/>
+            <a:ext cx="10568352" cy="5987562"/>
+          </a:xfrm>
+          <a:prstGeom prst="snip2DiagRect">
+            <a:avLst/>
+          </a:prstGeom>
+        </p:spPr>
+      </p:pic>
+      <p:pic>
+        <p:nvPicPr>
+          <p:cNvPr id="8" name="Picture 7">
+            <a:extLst>
+              <a:ext uri="{FF2B5EF4-FFF2-40B4-BE49-F238E27FC236}">
+                <a16:creationId xmlns:a16="http://schemas.microsoft.com/office/drawing/2014/main" id="{BFECAF16-5C64-01CB-ECAE-4BC436FEF6B7}"/>
+              </a:ext>
+            </a:extLst>
+          </p:cNvPr>
+          <p:cNvPicPr>
+            <a:picLocks noChangeAspect="1"/>
+          </p:cNvPicPr>
+          <p:nvPr/>
+        </p:nvPicPr>
+        <p:blipFill>
+          <a:blip r:embed="rId6">
+            <a:extLst>
+              <a:ext uri="{28A0092B-C50C-407E-A947-70E740481C1C}">
+                <a14:useLocalDpi xmlns:a14="http://schemas.microsoft.com/office/drawing/2010/main" val="0"/>
+              </a:ext>
+            </a:extLst>
+          </a:blip>
+          <a:stretch>
+            <a:fillRect/>
+          </a:stretch>
+        </p:blipFill>
+        <p:spPr>
+          <a:xfrm>
+            <a:off x="-1485900" y="-814245"/>
+            <a:ext cx="7082472" cy="2507719"/>
+          </a:xfrm>
+          <a:prstGeom prst="rect">
+            <a:avLst/>
+          </a:prstGeom>
+        </p:spPr>
+      </p:pic>
+      <p:pic>
+        <p:nvPicPr>
+          <p:cNvPr id="9" name="Picture 8">
+            <a:extLst>
+              <a:ext uri="{FF2B5EF4-FFF2-40B4-BE49-F238E27FC236}">
+                <a16:creationId xmlns:a16="http://schemas.microsoft.com/office/drawing/2014/main" id="{B49E2292-3C7C-419B-700A-EE73FC7DC163}"/>
+              </a:ext>
+            </a:extLst>
+          </p:cNvPr>
+          <p:cNvPicPr>
+            <a:picLocks noChangeAspect="1"/>
+          </p:cNvPicPr>
+          <p:nvPr/>
+        </p:nvPicPr>
+        <p:blipFill>
+          <a:blip r:embed="rId6">
+            <a:extLst>
+              <a:ext uri="{28A0092B-C50C-407E-A947-70E740481C1C}">
+                <a14:useLocalDpi xmlns:a14="http://schemas.microsoft.com/office/drawing/2010/main" val="0"/>
+              </a:ext>
+            </a:extLst>
+          </a:blip>
+          <a:stretch>
+            <a:fillRect/>
+          </a:stretch>
+        </p:blipFill>
+        <p:spPr>
+          <a:xfrm>
+            <a:off x="6700935" y="5164525"/>
+            <a:ext cx="7082472" cy="2507719"/>
+          </a:xfrm>
+          <a:prstGeom prst="rect">
+            <a:avLst/>
+          </a:prstGeom>
+        </p:spPr>
+      </p:pic>
+      <p:sp>
+        <p:nvSpPr>
+          <p:cNvPr id="10" name="Title 9">
+            <a:extLst>
+              <a:ext uri="{FF2B5EF4-FFF2-40B4-BE49-F238E27FC236}">
+                <a16:creationId xmlns:a16="http://schemas.microsoft.com/office/drawing/2014/main" id="{DEED8FCB-D978-A8BD-6C9D-04D17999FA1A}"/>
+              </a:ext>
+            </a:extLst>
+          </p:cNvPr>
+          <p:cNvSpPr>
+            <a:spLocks noGrp="1"/>
+          </p:cNvSpPr>
+          <p:nvPr>
+            <p:ph type="ctrTitle"/>
+          </p:nvPr>
+        </p:nvSpPr>
+        <p:spPr>
+          <a:xfrm>
+            <a:off x="2548806" y="640576"/>
+            <a:ext cx="6415454" cy="1330423"/>
+          </a:xfrm>
+        </p:spPr>
+        <p:txBody>
+          <a:bodyPr>
+            <a:noAutofit/>
+          </a:bodyPr>
+          <a:lstStyle/>
+          <a:p>
+            <a:r>
+              <a:rPr lang="en-US" sz="8000" b="1" dirty="0">
+                <a:solidFill>
+                  <a:schemeClr val="bg1"/>
+                </a:solidFill>
+                <a:latin typeface="Agency FB" panose="020B0503020202020204" pitchFamily="34" charset="0"/>
+              </a:rPr>
+              <a:t>Game Overview</a:t>
+            </a:r>
+            <a:endParaRPr lang="en-US" sz="8000" dirty="0">
+              <a:solidFill>
+                <a:schemeClr val="bg1"/>
+              </a:solidFill>
+              <a:latin typeface="Agency FB" panose="020B0503020202020204" pitchFamily="34" charset="0"/>
+            </a:endParaRPr>
+          </a:p>
+        </p:txBody>
+      </p:sp>
+      <p:sp>
+        <p:nvSpPr>
+          <p:cNvPr id="3" name="Rectangle 1">
+            <a:extLst>
+              <a:ext uri="{FF2B5EF4-FFF2-40B4-BE49-F238E27FC236}">
+                <a16:creationId xmlns:a16="http://schemas.microsoft.com/office/drawing/2014/main" id="{604102D4-D4C7-4191-3606-FB7EBE314A52}"/>
+              </a:ext>
+            </a:extLst>
+          </p:cNvPr>
+          <p:cNvSpPr>
+            <a:spLocks noGrp="1" noChangeArrowheads="1"/>
+          </p:cNvSpPr>
+          <p:nvPr>
+            <p:ph type="subTitle" idx="1"/>
+          </p:nvPr>
+        </p:nvSpPr>
+        <p:spPr bwMode="auto">
+          <a:xfrm>
+            <a:off x="1152145" y="1936686"/>
+            <a:ext cx="10369998" cy="3785652"/>
+          </a:xfrm>
+          <a:prstGeom prst="rect">
+            <a:avLst/>
+          </a:prstGeom>
+          <a:noFill/>
+          <a:ln>
+            <a:noFill/>
+          </a:ln>
+          <a:effectLst/>
+          <a:extLst>
+            <a:ext uri="{909E8E84-426E-40DD-AFC4-6F175D3DCCD1}">
+              <a14:hiddenFill xmlns:a14="http://schemas.microsoft.com/office/drawing/2010/main">
+                <a:solidFill>
+                  <a:schemeClr val="accent1"/>
+                </a:solidFill>
+              </a14:hiddenFill>
+            </a:ext>
+            <a:ext uri="{91240B29-F687-4F45-9708-019B960494DF}">
+              <a14:hiddenLine xmlns:a14="http://schemas.microsoft.com/office/drawing/2010/main" w="9525">
+                <a:solidFill>
+                  <a:schemeClr val="tx1"/>
+                </a:solidFill>
+                <a:miter lim="800000"/>
+                <a:headEnd/>
+                <a:tailEnd/>
+              </a14:hiddenLine>
+            </a:ext>
+            <a:ext uri="{AF507438-7753-43E0-B8FC-AC1667EBCBE1}">
+              <a14:hiddenEffects xmlns:a14="http://schemas.microsoft.com/office/drawing/2010/main">
+                <a:effectLst>
+                  <a:outerShdw dist="35921" dir="2700000" algn="ctr" rotWithShape="0">
+                    <a:schemeClr val="bg2"/>
+                  </a:outerShdw>
+                </a:effectLst>
+              </a14:hiddenEffects>
+            </a:ext>
+          </a:extLst>
+        </p:spPr>
+        <p:txBody>
+          <a:bodyPr vert="horz" wrap="square" lIns="91440" tIns="45720" rIns="91440" bIns="45720" numCol="1" anchor="ctr" anchorCtr="0" compatLnSpc="1">
+            <a:prstTxWarp prst="textNoShape">
+              <a:avLst/>
+            </a:prstTxWarp>
+            <a:spAutoFit/>
+          </a:bodyPr>
+          <a:lstStyle/>
+          <a:p>
+            <a:pPr marL="0" marR="0" lvl="0" indent="0" algn="l" defTabSz="914400" rtl="0" eaLnBrk="0" fontAlgn="base" latinLnBrk="0" hangingPunct="0">
+              <a:lnSpc>
+                <a:spcPct val="100000"/>
+              </a:lnSpc>
+              <a:spcBef>
+                <a:spcPct val="0"/>
+              </a:spcBef>
+              <a:spcAft>
+                <a:spcPct val="0"/>
+              </a:spcAft>
+              <a:buClrTx/>
+              <a:buSzTx/>
+              <a:buFontTx/>
+              <a:buChar char="•"/>
+              <a:tabLst/>
+            </a:pPr>
+            <a:r>
+              <a:rPr kumimoji="0" lang="en-US" altLang="en-US" b="1" i="0" u="none" strike="noStrike" cap="none" normalizeH="0" baseline="0" dirty="0">
+                <a:ln>
+                  <a:noFill/>
+                </a:ln>
+                <a:solidFill>
+                  <a:schemeClr val="bg1"/>
+                </a:solidFill>
+                <a:effectLst/>
+                <a:latin typeface="Agency FB" panose="020B0503020202020204" pitchFamily="34" charset="0"/>
+              </a:rPr>
+              <a:t>Space Travel:</a:t>
+            </a:r>
+            <a:r>
+              <a:rPr kumimoji="0" lang="en-US" altLang="en-US" b="0" i="0" u="none" strike="noStrike" cap="none" normalizeH="0" baseline="0" dirty="0">
+                <a:ln>
+                  <a:noFill/>
+                </a:ln>
+                <a:solidFill>
+                  <a:schemeClr val="bg1"/>
+                </a:solidFill>
+                <a:effectLst/>
+                <a:latin typeface="Agency FB" panose="020B0503020202020204" pitchFamily="34" charset="0"/>
+              </a:rPr>
+              <a:t> Players will steer their ship through tight asteroid fields and cosmic hazards, with progressively challenging levels.</a:t>
+            </a:r>
+          </a:p>
+          <a:p>
+            <a:pPr marL="0" marR="0" lvl="0" indent="0" algn="l" defTabSz="914400" rtl="0" eaLnBrk="0" fontAlgn="base" latinLnBrk="0" hangingPunct="0">
+              <a:lnSpc>
+                <a:spcPct val="100000"/>
+              </a:lnSpc>
+              <a:spcBef>
+                <a:spcPct val="0"/>
+              </a:spcBef>
+              <a:spcAft>
+                <a:spcPct val="0"/>
+              </a:spcAft>
+              <a:buClrTx/>
+              <a:buSzTx/>
+              <a:buFontTx/>
+              <a:buChar char="•"/>
+              <a:tabLst/>
+            </a:pPr>
+            <a:r>
+              <a:rPr kumimoji="0" lang="en-US" altLang="en-US" b="1" i="0" u="none" strike="noStrike" cap="none" normalizeH="0" baseline="0" dirty="0">
+                <a:ln>
+                  <a:noFill/>
+                </a:ln>
+                <a:solidFill>
+                  <a:schemeClr val="bg1"/>
+                </a:solidFill>
+                <a:effectLst/>
+                <a:latin typeface="Agency FB" panose="020B0503020202020204" pitchFamily="34" charset="0"/>
+              </a:rPr>
+              <a:t>Portal Jumping:</a:t>
+            </a:r>
+            <a:r>
+              <a:rPr kumimoji="0" lang="en-US" altLang="en-US" b="0" i="0" u="none" strike="noStrike" cap="none" normalizeH="0" baseline="0" dirty="0">
+                <a:ln>
+                  <a:noFill/>
+                </a:ln>
+                <a:solidFill>
+                  <a:schemeClr val="bg1"/>
+                </a:solidFill>
+                <a:effectLst/>
+                <a:latin typeface="Agency FB" panose="020B0503020202020204" pitchFamily="34" charset="0"/>
+              </a:rPr>
+              <a:t> Each level ends with a portal that leads to a new sector of space, containing a new exoplanet and new dangers.</a:t>
+            </a:r>
+          </a:p>
+          <a:p>
+            <a:pPr marL="0" marR="0" lvl="0" indent="0" algn="l" defTabSz="914400" rtl="0" eaLnBrk="0" fontAlgn="base" latinLnBrk="0" hangingPunct="0">
+              <a:lnSpc>
+                <a:spcPct val="100000"/>
+              </a:lnSpc>
+              <a:spcBef>
+                <a:spcPct val="0"/>
+              </a:spcBef>
+              <a:spcAft>
+                <a:spcPct val="0"/>
+              </a:spcAft>
+              <a:buClrTx/>
+              <a:buSzTx/>
+              <a:buFontTx/>
+              <a:buChar char="•"/>
+              <a:tabLst/>
+            </a:pPr>
+            <a:r>
+              <a:rPr kumimoji="0" lang="en-US" altLang="en-US" b="1" i="0" u="none" strike="noStrike" cap="none" normalizeH="0" baseline="0" dirty="0">
+                <a:ln>
+                  <a:noFill/>
+                </a:ln>
+                <a:solidFill>
+                  <a:schemeClr val="bg1"/>
+                </a:solidFill>
+                <a:effectLst/>
+                <a:latin typeface="Agency FB" panose="020B0503020202020204" pitchFamily="34" charset="0"/>
+              </a:rPr>
+              <a:t>Exoplanet Discovery:</a:t>
+            </a:r>
+            <a:r>
+              <a:rPr kumimoji="0" lang="en-US" altLang="en-US" b="0" i="0" u="none" strike="noStrike" cap="none" normalizeH="0" baseline="0" dirty="0">
+                <a:ln>
+                  <a:noFill/>
+                </a:ln>
+                <a:solidFill>
+                  <a:schemeClr val="bg1"/>
+                </a:solidFill>
+                <a:effectLst/>
+                <a:latin typeface="Agency FB" panose="020B0503020202020204" pitchFamily="34" charset="0"/>
+              </a:rPr>
+              <a:t> After successfully navigating the dangers of space, players arrive at an exoplanet, where they’ll gather information about its atmosphere, resources, and possible life.</a:t>
+            </a:r>
+          </a:p>
+          <a:p>
+            <a:pPr marL="0" marR="0" lvl="0" indent="0" algn="l" defTabSz="914400" rtl="0" eaLnBrk="0" fontAlgn="base" latinLnBrk="0" hangingPunct="0">
+              <a:lnSpc>
+                <a:spcPct val="100000"/>
+              </a:lnSpc>
+              <a:spcBef>
+                <a:spcPct val="0"/>
+              </a:spcBef>
+              <a:spcAft>
+                <a:spcPct val="0"/>
+              </a:spcAft>
+              <a:buClrTx/>
+              <a:buSzTx/>
+              <a:buFontTx/>
+              <a:buChar char="•"/>
+              <a:tabLst/>
+            </a:pPr>
+            <a:r>
+              <a:rPr kumimoji="0" lang="en-US" altLang="en-US" b="1" i="0" u="none" strike="noStrike" cap="none" normalizeH="0" baseline="0" dirty="0">
+                <a:ln>
+                  <a:noFill/>
+                </a:ln>
+                <a:solidFill>
+                  <a:schemeClr val="bg1"/>
+                </a:solidFill>
+                <a:effectLst/>
+                <a:latin typeface="Agency FB" panose="020B0503020202020204" pitchFamily="34" charset="0"/>
+              </a:rPr>
+              <a:t>Increasing Difficulty:</a:t>
+            </a:r>
+            <a:r>
+              <a:rPr kumimoji="0" lang="en-US" altLang="en-US" b="0" i="0" u="none" strike="noStrike" cap="none" normalizeH="0" baseline="0" dirty="0">
+                <a:ln>
+                  <a:noFill/>
+                </a:ln>
+                <a:solidFill>
+                  <a:schemeClr val="bg1"/>
+                </a:solidFill>
+                <a:effectLst/>
+                <a:latin typeface="Agency FB" panose="020B0503020202020204" pitchFamily="34" charset="0"/>
+              </a:rPr>
+              <a:t> Each new portal leads to harder obstacles, faster asteroids, and more complex hazards.</a:t>
+            </a:r>
+          </a:p>
+          <a:p>
+            <a:pPr marL="0" marR="0" lvl="0" indent="0" algn="l" defTabSz="914400" rtl="0" eaLnBrk="0" fontAlgn="base" latinLnBrk="0" hangingPunct="0">
+              <a:lnSpc>
+                <a:spcPct val="100000"/>
+              </a:lnSpc>
+              <a:spcBef>
+                <a:spcPct val="0"/>
+              </a:spcBef>
+              <a:spcAft>
+                <a:spcPct val="0"/>
+              </a:spcAft>
+              <a:buClrTx/>
+              <a:buSzTx/>
+              <a:buFontTx/>
+              <a:buChar char="•"/>
+              <a:tabLst/>
+            </a:pPr>
+            <a:r>
+              <a:rPr kumimoji="0" lang="en-US" altLang="en-US" b="1" i="0" u="none" strike="noStrike" cap="none" normalizeH="0" baseline="0" dirty="0">
+                <a:ln>
+                  <a:noFill/>
+                </a:ln>
+                <a:solidFill>
+                  <a:schemeClr val="bg1"/>
+                </a:solidFill>
+                <a:effectLst/>
+                <a:latin typeface="Agency FB" panose="020B0503020202020204" pitchFamily="34" charset="0"/>
+              </a:rPr>
+              <a:t>Upgrades and Customization:</a:t>
+            </a:r>
+            <a:r>
+              <a:rPr kumimoji="0" lang="en-US" altLang="en-US" b="0" i="0" u="none" strike="noStrike" cap="none" normalizeH="0" baseline="0" dirty="0">
+                <a:ln>
+                  <a:noFill/>
+                </a:ln>
+                <a:solidFill>
+                  <a:schemeClr val="bg1"/>
+                </a:solidFill>
+                <a:effectLst/>
+                <a:latin typeface="Agency FB" panose="020B0503020202020204" pitchFamily="34" charset="0"/>
+              </a:rPr>
+              <a:t> Players can upgrade their ship with better shields, faster engines, and advanced weapons to tackle increasingly difficult threats. </a:t>
+            </a:r>
+          </a:p>
+        </p:txBody>
+      </p:sp>
+    </p:spTree>
+    <p:extLst>
+      <p:ext uri="{BB962C8B-B14F-4D97-AF65-F5344CB8AC3E}">
+        <p14:creationId xmlns:p14="http://schemas.microsoft.com/office/powerpoint/2010/main" val="350704575"/>
+      </p:ext>
+    </p:extLst>
+  </p:cSld>
+  <p:clrMapOvr>
+    <a:masterClrMapping/>
+  </p:clrMapOvr>
+  <mc:AlternateContent xmlns:mc="http://schemas.openxmlformats.org/markup-compatibility/2006">
+    <mc:Choice xmlns:p14="http://schemas.microsoft.com/office/powerpoint/2010/main" Requires="p14">
+      <p:transition spd="slow" p14:dur="3400">
+        <p14:reveal/>
+        <p:sndAc>
+          <p:stSnd>
+            <p:snd r:embed="rId2" name="bomb.wav"/>
+          </p:stSnd>
+        </p:sndAc>
+      </p:transition>
+    </mc:Choice>
+    <mc:Fallback>
+      <p:transition spd="slow">
+        <p:fade/>
+        <p:sndAc>
+          <p:stSnd>
+            <p:snd r:embed="rId2" name="bomb.wav"/>
+          </p:stSnd>
+        </p:sndAc>
+      </p:transition>
+    </mc:Fallback>
+  </mc:AlternateContent>
+</p:sld>
+</file>
+
+<file path=ppt/slides/slide8.xml><?xml version="1.0" encoding="utf-8"?>
+<p:sld xmlns:a="http://schemas.openxmlformats.org/drawingml/2006/main" xmlns:r="http://schemas.openxmlformats.org/officeDocument/2006/relationships" xmlns:p="http://schemas.openxmlformats.org/presentationml/2006/main">
+  <p:cSld>
+    <p:spTree>
+      <p:nvGrpSpPr>
+        <p:cNvPr id="1" name=""/>
+        <p:cNvGrpSpPr/>
+        <p:nvPr/>
+      </p:nvGrpSpPr>
+      <p:grpSpPr>
+        <a:xfrm>
+          <a:off x="0" y="0"/>
+          <a:ext cx="0" cy="0"/>
+          <a:chOff x="0" y="0"/>
+          <a:chExt cx="0" cy="0"/>
+        </a:xfrm>
+      </p:grpSpPr>
+      <p:pic>
+        <p:nvPicPr>
+          <p:cNvPr id="5" name="Picture 4">
+            <a:extLst>
+              <a:ext uri="{FF2B5EF4-FFF2-40B4-BE49-F238E27FC236}">
+                <a16:creationId xmlns:a16="http://schemas.microsoft.com/office/drawing/2014/main" id="{52016E4E-CA8F-458B-5A6B-FFF38F8F6420}"/>
+              </a:ext>
+            </a:extLst>
+          </p:cNvPr>
+          <p:cNvPicPr>
+            <a:picLocks noChangeAspect="1"/>
+          </p:cNvPicPr>
+          <p:nvPr/>
+        </p:nvPicPr>
+        <p:blipFill>
+          <a:blip r:embed="rId3">
+            <a:extLst>
+              <a:ext uri="{28A0092B-C50C-407E-A947-70E740481C1C}">
+                <a14:useLocalDpi xmlns:a14="http://schemas.microsoft.com/office/drawing/2010/main" val="0"/>
+              </a:ext>
+            </a:extLst>
+          </a:blip>
+          <a:stretch>
+            <a:fillRect/>
+          </a:stretch>
+        </p:blipFill>
+        <p:spPr>
+          <a:xfrm>
+            <a:off x="0" y="0"/>
+            <a:ext cx="12192000" cy="6857999"/>
+          </a:xfrm>
+          <a:prstGeom prst="rect">
+            <a:avLst/>
+          </a:prstGeom>
+        </p:spPr>
+      </p:pic>
+      <p:pic>
+        <p:nvPicPr>
+          <p:cNvPr id="6" name="Picture 5">
+            <a:extLst>
+              <a:ext uri="{FF2B5EF4-FFF2-40B4-BE49-F238E27FC236}">
+                <a16:creationId xmlns:a16="http://schemas.microsoft.com/office/drawing/2014/main" id="{0B7A417E-9BC1-A275-0404-F43E8D6D8793}"/>
+              </a:ext>
+            </a:extLst>
+          </p:cNvPr>
+          <p:cNvPicPr>
+            <a:picLocks noChangeAspect="1"/>
+          </p:cNvPicPr>
+          <p:nvPr/>
+        </p:nvPicPr>
+        <p:blipFill>
+          <a:blip r:embed="rId4">
+            <a:extLst>
+              <a:ext uri="{BEBA8EAE-BF5A-486C-A8C5-ECC9F3942E4B}">
+                <a14:imgProps xmlns:a14="http://schemas.microsoft.com/office/drawing/2010/main">
+                  <a14:imgLayer r:embed="rId5">
+                    <a14:imgEffect>
+                      <a14:artisticBlur radius="20"/>
+                    </a14:imgEffect>
+                    <a14:imgEffect>
+                      <a14:saturation sat="87000"/>
+                    </a14:imgEffect>
+                    <a14:imgEffect>
+                      <a14:brightnessContrast bright="34000" contrast="-45000"/>
+                    </a14:imgEffect>
+                  </a14:imgLayer>
+                </a14:imgProps>
+              </a:ext>
+              <a:ext uri="{28A0092B-C50C-407E-A947-70E740481C1C}">
+                <a14:useLocalDpi xmlns:a14="http://schemas.microsoft.com/office/drawing/2010/main" val="0"/>
+              </a:ext>
+            </a:extLst>
+          </a:blip>
+          <a:stretch>
+            <a:fillRect/>
+          </a:stretch>
+        </p:blipFill>
+        <p:spPr>
+          <a:xfrm>
             <a:off x="1743281" y="1403895"/>
             <a:ext cx="8705438" cy="3969597"/>
           </a:xfrm>
